--- a/final-project/1/FinalProject1_Proposal.pptx
+++ b/final-project/1/FinalProject1_Proposal.pptx
@@ -2998,14 +2998,14 @@
             <p:ph idx="1"/>
             <p:extLst>
               <p:ext uri="{D42A27DB-BD31-4B8C-83A1-F6EECF244321}">
-                <p14:modId xmlns:p14="http://schemas.microsoft.com/office/powerpoint/2010/main" val="3685284754"/>
+                <p14:modId xmlns:p14="http://schemas.microsoft.com/office/powerpoint/2010/main" val="3918113189"/>
               </p:ext>
             </p:extLst>
           </p:nvPr>
         </p:nvGraphicFramePr>
         <p:xfrm>
           <a:off x="220765" y="432206"/>
-          <a:ext cx="11271249" cy="4912360"/>
+          <a:ext cx="11271249" cy="5491480"/>
         </p:xfrm>
         <a:graphic>
           <a:graphicData uri="http://schemas.openxmlformats.org/drawingml/2006/table">
@@ -3202,15 +3202,7 @@
                       <a:pPr algn="l"/>
                       <a:r>
                         <a:rPr lang="en-US" sz="1400" baseline="0" dirty="0" smtClean="0"/>
-                        <a:t>Success would be if we are able to accurately predict. Item prices even for </a:t>
-                      </a:r>
-                      <a:r>
-                        <a:rPr lang="en-US" sz="1400" baseline="0" dirty="0" smtClean="0"/>
-                        <a:t>longer </a:t>
-                      </a:r>
-                      <a:r>
-                        <a:rPr lang="en-US" sz="1400" baseline="0" dirty="0" smtClean="0"/>
-                        <a:t>tail inventory. </a:t>
+                        <a:t>Success would be if we are able to accurately predict. Item prices even for longer tail inventory. </a:t>
                       </a:r>
                     </a:p>
                     <a:p>
@@ -3301,11 +3293,7 @@
                       <a:pPr algn="l"/>
                       <a:r>
                         <a:rPr lang="en-US" sz="1400" dirty="0" smtClean="0"/>
-                        <a:t>Hypothesis </a:t>
-                      </a:r>
-                      <a:r>
-                        <a:rPr lang="en-US" sz="1400" dirty="0" smtClean="0"/>
-                        <a:t>is that we</a:t>
+                        <a:t>Hypothesis is that we</a:t>
                       </a:r>
                       <a:r>
                         <a:rPr lang="en-US" sz="1400" baseline="0" dirty="0" smtClean="0"/>
@@ -3344,7 +3332,7 @@
                   </a:ext>
                 </a:extLst>
               </a:tr>
-              <a:tr h="345440">
+              <a:tr h="579120">
                 <a:tc>
                   <a:txBody>
                     <a:bodyPr/>
@@ -3419,6 +3407,58 @@
                 <a:extLst>
                   <a:ext uri="{0D108BD9-81ED-4DB2-BD59-A6C34878D82A}">
                     <a16:rowId xmlns:a16="http://schemas.microsoft.com/office/drawing/2014/main" val="3333897104"/>
+                  </a:ext>
+                </a:extLst>
+              </a:tr>
+              <a:tr h="579120">
+                <a:tc>
+                  <a:txBody>
+                    <a:bodyPr/>
+                    <a:lstStyle/>
+                    <a:p>
+                      <a:pPr algn="l"/>
+                      <a:r>
+                        <a:rPr lang="en-US" sz="1400" dirty="0" smtClean="0"/>
+                        <a:t>Propensity</a:t>
+                      </a:r>
+                      <a:r>
+                        <a:rPr lang="en-US" sz="1400" baseline="0" dirty="0" smtClean="0"/>
+                        <a:t> to </a:t>
+                      </a:r>
+                      <a:r>
+                        <a:rPr lang="en-US" sz="1400" baseline="0" smtClean="0"/>
+                        <a:t>sell model</a:t>
+                      </a:r>
+                      <a:endParaRPr lang="en-US" sz="1400" dirty="0"/>
+                    </a:p>
+                  </a:txBody>
+                  <a:tcPr/>
+                </a:tc>
+                <a:tc>
+                  <a:txBody>
+                    <a:bodyPr/>
+                    <a:lstStyle/>
+                    <a:p>
+                      <a:pPr algn="l"/>
+                      <a:endParaRPr lang="en-US" sz="1400" baseline="0" dirty="0" smtClean="0"/>
+                    </a:p>
+                  </a:txBody>
+                  <a:tcPr/>
+                </a:tc>
+                <a:tc>
+                  <a:txBody>
+                    <a:bodyPr/>
+                    <a:lstStyle/>
+                    <a:p>
+                      <a:pPr algn="l"/>
+                      <a:endParaRPr lang="en-US" sz="1400" dirty="0"/>
+                    </a:p>
+                  </a:txBody>
+                  <a:tcPr/>
+                </a:tc>
+                <a:extLst>
+                  <a:ext uri="{0D108BD9-81ED-4DB2-BD59-A6C34878D82A}">
+                    <a16:rowId xmlns:a16="http://schemas.microsoft.com/office/drawing/2014/main" val="1670000869"/>
                   </a:ext>
                 </a:extLst>
               </a:tr>
